--- a/클래스_다이어그램/Class Design(back).pptx
+++ b/클래스_다이어그램/Class Design(back).pptx
@@ -3392,60 +3392,12 @@
           </a:p>
         </p:txBody>
       </p:sp>
-      <p:sp>
-        <p:nvSpPr>
-          <p:cNvPr id="9" name="TextBox 8">
-            <a:extLst>
-              <a:ext uri="{FF2B5EF4-FFF2-40B4-BE49-F238E27FC236}">
-                <a16:creationId xmlns:a16="http://schemas.microsoft.com/office/drawing/2014/main" id="{7CA51663-A771-D806-0FA0-B9A9DB2BA4D3}"/>
-              </a:ext>
-            </a:extLst>
-          </p:cNvPr>
-          <p:cNvSpPr txBox="1"/>
-          <p:nvPr/>
-        </p:nvSpPr>
-        <p:spPr>
-          <a:xfrm>
-            <a:off x="117695" y="796705"/>
-            <a:ext cx="4454305" cy="307777"/>
-          </a:xfrm>
-          <a:prstGeom prst="rect">
-            <a:avLst/>
-          </a:prstGeom>
-          <a:noFill/>
-        </p:spPr>
-        <p:txBody>
-          <a:bodyPr wrap="square" rtlCol="0">
-            <a:spAutoFit/>
-          </a:bodyPr>
-          <a:lstStyle/>
-          <a:p>
-            <a:r>
-              <a:rPr lang="en-US" altLang="ko-KR" dirty="0"/>
-              <a:t>&lt;</a:t>
-            </a:r>
-            <a:r>
-              <a:rPr lang="en-US" altLang="ko-KR" dirty="0" err="1"/>
-              <a:t>BackEnd</a:t>
-            </a:r>
-            <a:r>
-              <a:rPr lang="en-US" altLang="ko-KR" dirty="0"/>
-              <a:t>&gt; Sequence Diagram/ </a:t>
-            </a:r>
-            <a:r>
-              <a:rPr lang="ko-KR" altLang="en-US" dirty="0"/>
-              <a:t>전체 옷 정보 조회</a:t>
-            </a:r>
-            <a:endParaRPr lang="en-US" altLang="ko-KR" dirty="0"/>
-          </a:p>
-        </p:txBody>
-      </p:sp>
       <p:pic>
         <p:nvPicPr>
-          <p:cNvPr id="5" name="그림 4">
+          <p:cNvPr id="6" name="그림 5">
             <a:extLst>
               <a:ext uri="{FF2B5EF4-FFF2-40B4-BE49-F238E27FC236}">
-                <a16:creationId xmlns:a16="http://schemas.microsoft.com/office/drawing/2014/main" id="{DF8239E9-E639-0595-B42F-EEBAA92F7123}"/>
+                <a16:creationId xmlns:a16="http://schemas.microsoft.com/office/drawing/2014/main" id="{E0A61F6A-7649-7BE0-E2C3-62224E476F04}"/>
               </a:ext>
             </a:extLst>
           </p:cNvPr>
@@ -3468,14 +3420,62 @@
         </p:blipFill>
         <p:spPr>
           <a:xfrm>
-            <a:off x="212756" y="1104482"/>
-            <a:ext cx="8718487" cy="5233150"/>
+            <a:off x="158435" y="950554"/>
+            <a:ext cx="8827129" cy="5387078"/>
           </a:xfrm>
           <a:prstGeom prst="rect">
             <a:avLst/>
           </a:prstGeom>
         </p:spPr>
       </p:pic>
+      <p:sp>
+        <p:nvSpPr>
+          <p:cNvPr id="9" name="TextBox 8">
+            <a:extLst>
+              <a:ext uri="{FF2B5EF4-FFF2-40B4-BE49-F238E27FC236}">
+                <a16:creationId xmlns:a16="http://schemas.microsoft.com/office/drawing/2014/main" id="{7CA51663-A771-D806-0FA0-B9A9DB2BA4D3}"/>
+              </a:ext>
+            </a:extLst>
+          </p:cNvPr>
+          <p:cNvSpPr txBox="1"/>
+          <p:nvPr/>
+        </p:nvSpPr>
+        <p:spPr>
+          <a:xfrm>
+            <a:off x="117695" y="796705"/>
+            <a:ext cx="4454305" cy="307777"/>
+          </a:xfrm>
+          <a:prstGeom prst="rect">
+            <a:avLst/>
+          </a:prstGeom>
+          <a:noFill/>
+        </p:spPr>
+        <p:txBody>
+          <a:bodyPr wrap="square" rtlCol="0">
+            <a:spAutoFit/>
+          </a:bodyPr>
+          <a:lstStyle/>
+          <a:p>
+            <a:r>
+              <a:rPr lang="en-US" altLang="ko-KR" dirty="0"/>
+              <a:t>&lt;</a:t>
+            </a:r>
+            <a:r>
+              <a:rPr lang="en-US" altLang="ko-KR" dirty="0" err="1"/>
+              <a:t>BackEnd</a:t>
+            </a:r>
+            <a:r>
+              <a:rPr lang="en-US" altLang="ko-KR" dirty="0"/>
+              <a:t>&gt; Sequence Diagram/ </a:t>
+            </a:r>
+            <a:r>
+              <a:rPr lang="ko-KR" altLang="en-US" dirty="0"/>
+              <a:t>전체 옷 정보 조회</a:t>
+            </a:r>
+            <a:endParaRPr lang="en-US" altLang="ko-KR" dirty="0"/>
+          </a:p>
+        </p:txBody>
+      </p:sp>
     </p:spTree>
     <p:extLst>
       <p:ext uri="{BB962C8B-B14F-4D97-AF65-F5344CB8AC3E}">
@@ -3782,10 +3782,10 @@
       </p:sp>
       <p:pic>
         <p:nvPicPr>
-          <p:cNvPr id="5" name="그림 4">
+          <p:cNvPr id="6" name="그림 5">
             <a:extLst>
               <a:ext uri="{FF2B5EF4-FFF2-40B4-BE49-F238E27FC236}">
-                <a16:creationId xmlns:a16="http://schemas.microsoft.com/office/drawing/2014/main" id="{7DCAB3ED-A7C9-6786-6FDD-0ECFCA2496F7}"/>
+                <a16:creationId xmlns:a16="http://schemas.microsoft.com/office/drawing/2014/main" id="{4C8BBDEF-A704-0BC6-168A-48F91FE0C1D1}"/>
               </a:ext>
             </a:extLst>
           </p:cNvPr>
@@ -3808,8 +3808,8 @@
         </p:blipFill>
         <p:spPr>
           <a:xfrm>
-            <a:off x="117695" y="1023042"/>
-            <a:ext cx="8872396" cy="5196835"/>
+            <a:off x="117695" y="950554"/>
+            <a:ext cx="8908610" cy="5387078"/>
           </a:xfrm>
           <a:prstGeom prst="rect">
             <a:avLst/>
@@ -4168,60 +4168,12 @@
           </a:p>
         </p:txBody>
       </p:sp>
-      <p:sp>
-        <p:nvSpPr>
-          <p:cNvPr id="9" name="TextBox 8">
-            <a:extLst>
-              <a:ext uri="{FF2B5EF4-FFF2-40B4-BE49-F238E27FC236}">
-                <a16:creationId xmlns:a16="http://schemas.microsoft.com/office/drawing/2014/main" id="{7CA51663-A771-D806-0FA0-B9A9DB2BA4D3}"/>
-              </a:ext>
-            </a:extLst>
-          </p:cNvPr>
-          <p:cNvSpPr txBox="1"/>
-          <p:nvPr/>
-        </p:nvSpPr>
-        <p:spPr>
-          <a:xfrm>
-            <a:off x="117695" y="796705"/>
-            <a:ext cx="4454305" cy="307777"/>
-          </a:xfrm>
-          <a:prstGeom prst="rect">
-            <a:avLst/>
-          </a:prstGeom>
-          <a:noFill/>
-        </p:spPr>
-        <p:txBody>
-          <a:bodyPr wrap="square" rtlCol="0">
-            <a:spAutoFit/>
-          </a:bodyPr>
-          <a:lstStyle/>
-          <a:p>
-            <a:r>
-              <a:rPr lang="en-US" altLang="ko-KR" dirty="0"/>
-              <a:t>&lt;</a:t>
-            </a:r>
-            <a:r>
-              <a:rPr lang="en-US" altLang="ko-KR" dirty="0" err="1"/>
-              <a:t>BackEnd</a:t>
-            </a:r>
-            <a:r>
-              <a:rPr lang="en-US" altLang="ko-KR" dirty="0"/>
-              <a:t>&gt; Sequence Diagram/ </a:t>
-            </a:r>
-            <a:r>
-              <a:rPr lang="ko-KR" altLang="en-US" dirty="0"/>
-              <a:t>즐겨찾기 된 옷 조회</a:t>
-            </a:r>
-            <a:endParaRPr lang="en-US" altLang="ko-KR" dirty="0"/>
-          </a:p>
-        </p:txBody>
-      </p:sp>
       <p:pic>
         <p:nvPicPr>
-          <p:cNvPr id="5" name="그림 4">
+          <p:cNvPr id="6" name="그림 5">
             <a:extLst>
               <a:ext uri="{FF2B5EF4-FFF2-40B4-BE49-F238E27FC236}">
-                <a16:creationId xmlns:a16="http://schemas.microsoft.com/office/drawing/2014/main" id="{F0D42E42-28E0-4226-E251-D7F30EE41E53}"/>
+                <a16:creationId xmlns:a16="http://schemas.microsoft.com/office/drawing/2014/main" id="{85E337BC-DF9B-A2B0-3E31-E272B8A0AE02}"/>
               </a:ext>
             </a:extLst>
           </p:cNvPr>
@@ -4244,14 +4196,62 @@
         </p:blipFill>
         <p:spPr>
           <a:xfrm>
-            <a:off x="117694" y="1104482"/>
-            <a:ext cx="8845237" cy="5233149"/>
+            <a:off x="208230" y="823886"/>
+            <a:ext cx="8745647" cy="5513746"/>
           </a:xfrm>
           <a:prstGeom prst="rect">
             <a:avLst/>
           </a:prstGeom>
         </p:spPr>
       </p:pic>
+      <p:sp>
+        <p:nvSpPr>
+          <p:cNvPr id="9" name="TextBox 8">
+            <a:extLst>
+              <a:ext uri="{FF2B5EF4-FFF2-40B4-BE49-F238E27FC236}">
+                <a16:creationId xmlns:a16="http://schemas.microsoft.com/office/drawing/2014/main" id="{7CA51663-A771-D806-0FA0-B9A9DB2BA4D3}"/>
+              </a:ext>
+            </a:extLst>
+          </p:cNvPr>
+          <p:cNvSpPr txBox="1"/>
+          <p:nvPr/>
+        </p:nvSpPr>
+        <p:spPr>
+          <a:xfrm>
+            <a:off x="117695" y="796705"/>
+            <a:ext cx="4454305" cy="307777"/>
+          </a:xfrm>
+          <a:prstGeom prst="rect">
+            <a:avLst/>
+          </a:prstGeom>
+          <a:noFill/>
+        </p:spPr>
+        <p:txBody>
+          <a:bodyPr wrap="square" rtlCol="0">
+            <a:spAutoFit/>
+          </a:bodyPr>
+          <a:lstStyle/>
+          <a:p>
+            <a:r>
+              <a:rPr lang="en-US" altLang="ko-KR" dirty="0"/>
+              <a:t>&lt;</a:t>
+            </a:r>
+            <a:r>
+              <a:rPr lang="en-US" altLang="ko-KR" dirty="0" err="1"/>
+              <a:t>BackEnd</a:t>
+            </a:r>
+            <a:r>
+              <a:rPr lang="en-US" altLang="ko-KR" dirty="0"/>
+              <a:t>&gt; Sequence Diagram/ </a:t>
+            </a:r>
+            <a:r>
+              <a:rPr lang="ko-KR" altLang="en-US" dirty="0"/>
+              <a:t>즐겨찾기 된 옷 조회</a:t>
+            </a:r>
+            <a:endParaRPr lang="en-US" altLang="ko-KR" dirty="0"/>
+          </a:p>
+        </p:txBody>
+      </p:sp>
     </p:spTree>
     <p:extLst>
       <p:ext uri="{BB962C8B-B14F-4D97-AF65-F5344CB8AC3E}">
@@ -4556,60 +4556,12 @@
           </a:p>
         </p:txBody>
       </p:sp>
-      <p:sp>
-        <p:nvSpPr>
-          <p:cNvPr id="9" name="TextBox 8">
-            <a:extLst>
-              <a:ext uri="{FF2B5EF4-FFF2-40B4-BE49-F238E27FC236}">
-                <a16:creationId xmlns:a16="http://schemas.microsoft.com/office/drawing/2014/main" id="{7CA51663-A771-D806-0FA0-B9A9DB2BA4D3}"/>
-              </a:ext>
-            </a:extLst>
-          </p:cNvPr>
-          <p:cNvSpPr txBox="1"/>
-          <p:nvPr/>
-        </p:nvSpPr>
-        <p:spPr>
-          <a:xfrm>
-            <a:off x="117695" y="796705"/>
-            <a:ext cx="4454305" cy="307777"/>
-          </a:xfrm>
-          <a:prstGeom prst="rect">
-            <a:avLst/>
-          </a:prstGeom>
-          <a:noFill/>
-        </p:spPr>
-        <p:txBody>
-          <a:bodyPr wrap="square" rtlCol="0">
-            <a:spAutoFit/>
-          </a:bodyPr>
-          <a:lstStyle/>
-          <a:p>
-            <a:r>
-              <a:rPr lang="en-US" altLang="ko-KR" dirty="0"/>
-              <a:t>&lt;</a:t>
-            </a:r>
-            <a:r>
-              <a:rPr lang="en-US" altLang="ko-KR" dirty="0" err="1"/>
-              <a:t>BackEnd</a:t>
-            </a:r>
-            <a:r>
-              <a:rPr lang="en-US" altLang="ko-KR" dirty="0"/>
-              <a:t>&gt; Sequence Diagram/ </a:t>
-            </a:r>
-            <a:r>
-              <a:rPr lang="ko-KR" altLang="en-US" dirty="0"/>
-              <a:t>옷 등록</a:t>
-            </a:r>
-            <a:endParaRPr lang="en-US" altLang="ko-KR" dirty="0"/>
-          </a:p>
-        </p:txBody>
-      </p:sp>
       <p:pic>
         <p:nvPicPr>
-          <p:cNvPr id="5" name="그림 4">
+          <p:cNvPr id="6" name="그림 5">
             <a:extLst>
               <a:ext uri="{FF2B5EF4-FFF2-40B4-BE49-F238E27FC236}">
-                <a16:creationId xmlns:a16="http://schemas.microsoft.com/office/drawing/2014/main" id="{EC626FF0-D654-B30B-E1A0-D105733C04D5}"/>
+                <a16:creationId xmlns:a16="http://schemas.microsoft.com/office/drawing/2014/main" id="{632E58AE-4120-7E77-3872-A851AD1AE24C}"/>
               </a:ext>
             </a:extLst>
           </p:cNvPr>
@@ -4632,14 +4584,62 @@
         </p:blipFill>
         <p:spPr>
           <a:xfrm>
-            <a:off x="181069" y="1104483"/>
-            <a:ext cx="8799969" cy="5178748"/>
+            <a:off x="117694" y="964940"/>
+            <a:ext cx="8908611" cy="5372692"/>
           </a:xfrm>
           <a:prstGeom prst="rect">
             <a:avLst/>
           </a:prstGeom>
         </p:spPr>
       </p:pic>
+      <p:sp>
+        <p:nvSpPr>
+          <p:cNvPr id="9" name="TextBox 8">
+            <a:extLst>
+              <a:ext uri="{FF2B5EF4-FFF2-40B4-BE49-F238E27FC236}">
+                <a16:creationId xmlns:a16="http://schemas.microsoft.com/office/drawing/2014/main" id="{7CA51663-A771-D806-0FA0-B9A9DB2BA4D3}"/>
+              </a:ext>
+            </a:extLst>
+          </p:cNvPr>
+          <p:cNvSpPr txBox="1"/>
+          <p:nvPr/>
+        </p:nvSpPr>
+        <p:spPr>
+          <a:xfrm>
+            <a:off x="117695" y="796705"/>
+            <a:ext cx="4454305" cy="307777"/>
+          </a:xfrm>
+          <a:prstGeom prst="rect">
+            <a:avLst/>
+          </a:prstGeom>
+          <a:noFill/>
+        </p:spPr>
+        <p:txBody>
+          <a:bodyPr wrap="square" rtlCol="0">
+            <a:spAutoFit/>
+          </a:bodyPr>
+          <a:lstStyle/>
+          <a:p>
+            <a:r>
+              <a:rPr lang="en-US" altLang="ko-KR" dirty="0"/>
+              <a:t>&lt;</a:t>
+            </a:r>
+            <a:r>
+              <a:rPr lang="en-US" altLang="ko-KR" dirty="0" err="1"/>
+              <a:t>BackEnd</a:t>
+            </a:r>
+            <a:r>
+              <a:rPr lang="en-US" altLang="ko-KR" dirty="0"/>
+              <a:t>&gt; Sequence Diagram/ </a:t>
+            </a:r>
+            <a:r>
+              <a:rPr lang="ko-KR" altLang="en-US" dirty="0"/>
+              <a:t>옷 등록</a:t>
+            </a:r>
+            <a:endParaRPr lang="en-US" altLang="ko-KR" dirty="0"/>
+          </a:p>
+        </p:txBody>
+      </p:sp>
     </p:spTree>
     <p:extLst>
       <p:ext uri="{BB962C8B-B14F-4D97-AF65-F5344CB8AC3E}">
@@ -4944,60 +4944,12 @@
           </a:p>
         </p:txBody>
       </p:sp>
-      <p:sp>
-        <p:nvSpPr>
-          <p:cNvPr id="9" name="TextBox 8">
-            <a:extLst>
-              <a:ext uri="{FF2B5EF4-FFF2-40B4-BE49-F238E27FC236}">
-                <a16:creationId xmlns:a16="http://schemas.microsoft.com/office/drawing/2014/main" id="{7CA51663-A771-D806-0FA0-B9A9DB2BA4D3}"/>
-              </a:ext>
-            </a:extLst>
-          </p:cNvPr>
-          <p:cNvSpPr txBox="1"/>
-          <p:nvPr/>
-        </p:nvSpPr>
-        <p:spPr>
-          <a:xfrm>
-            <a:off x="117695" y="796705"/>
-            <a:ext cx="4454305" cy="307777"/>
-          </a:xfrm>
-          <a:prstGeom prst="rect">
-            <a:avLst/>
-          </a:prstGeom>
-          <a:noFill/>
-        </p:spPr>
-        <p:txBody>
-          <a:bodyPr wrap="square" rtlCol="0">
-            <a:spAutoFit/>
-          </a:bodyPr>
-          <a:lstStyle/>
-          <a:p>
-            <a:r>
-              <a:rPr lang="en-US" altLang="ko-KR" dirty="0"/>
-              <a:t>&lt;</a:t>
-            </a:r>
-            <a:r>
-              <a:rPr lang="en-US" altLang="ko-KR" dirty="0" err="1"/>
-              <a:t>BackEnd</a:t>
-            </a:r>
-            <a:r>
-              <a:rPr lang="en-US" altLang="ko-KR" dirty="0"/>
-              <a:t>&gt; Sequence Diagram/ </a:t>
-            </a:r>
-            <a:r>
-              <a:rPr lang="ko-KR" altLang="en-US" dirty="0"/>
-              <a:t>옷 삭제</a:t>
-            </a:r>
-            <a:endParaRPr lang="en-US" altLang="ko-KR" dirty="0"/>
-          </a:p>
-        </p:txBody>
-      </p:sp>
       <p:pic>
         <p:nvPicPr>
-          <p:cNvPr id="5" name="그림 4">
+          <p:cNvPr id="6" name="그림 5">
             <a:extLst>
               <a:ext uri="{FF2B5EF4-FFF2-40B4-BE49-F238E27FC236}">
-                <a16:creationId xmlns:a16="http://schemas.microsoft.com/office/drawing/2014/main" id="{3D107ED6-A236-9EC6-2791-6B9F07C7E2CE}"/>
+                <a16:creationId xmlns:a16="http://schemas.microsoft.com/office/drawing/2014/main" id="{CF142167-DD9A-4806-A6A8-B6760CB88449}"/>
               </a:ext>
             </a:extLst>
           </p:cNvPr>
@@ -5020,14 +4972,62 @@
         </p:blipFill>
         <p:spPr>
           <a:xfrm>
-            <a:off x="117694" y="1104482"/>
-            <a:ext cx="8809023" cy="5233151"/>
+            <a:off x="117695" y="1016558"/>
+            <a:ext cx="8827129" cy="5321074"/>
           </a:xfrm>
           <a:prstGeom prst="rect">
             <a:avLst/>
           </a:prstGeom>
         </p:spPr>
       </p:pic>
+      <p:sp>
+        <p:nvSpPr>
+          <p:cNvPr id="9" name="TextBox 8">
+            <a:extLst>
+              <a:ext uri="{FF2B5EF4-FFF2-40B4-BE49-F238E27FC236}">
+                <a16:creationId xmlns:a16="http://schemas.microsoft.com/office/drawing/2014/main" id="{7CA51663-A771-D806-0FA0-B9A9DB2BA4D3}"/>
+              </a:ext>
+            </a:extLst>
+          </p:cNvPr>
+          <p:cNvSpPr txBox="1"/>
+          <p:nvPr/>
+        </p:nvSpPr>
+        <p:spPr>
+          <a:xfrm>
+            <a:off x="117695" y="796705"/>
+            <a:ext cx="4454305" cy="307777"/>
+          </a:xfrm>
+          <a:prstGeom prst="rect">
+            <a:avLst/>
+          </a:prstGeom>
+          <a:noFill/>
+        </p:spPr>
+        <p:txBody>
+          <a:bodyPr wrap="square" rtlCol="0">
+            <a:spAutoFit/>
+          </a:bodyPr>
+          <a:lstStyle/>
+          <a:p>
+            <a:r>
+              <a:rPr lang="en-US" altLang="ko-KR" dirty="0"/>
+              <a:t>&lt;</a:t>
+            </a:r>
+            <a:r>
+              <a:rPr lang="en-US" altLang="ko-KR" dirty="0" err="1"/>
+              <a:t>BackEnd</a:t>
+            </a:r>
+            <a:r>
+              <a:rPr lang="en-US" altLang="ko-KR" dirty="0"/>
+              <a:t>&gt; Sequence Diagram/ </a:t>
+            </a:r>
+            <a:r>
+              <a:rPr lang="ko-KR" altLang="en-US" dirty="0"/>
+              <a:t>옷 삭제</a:t>
+            </a:r>
+            <a:endParaRPr lang="en-US" altLang="ko-KR" dirty="0"/>
+          </a:p>
+        </p:txBody>
+      </p:sp>
     </p:spTree>
     <p:extLst>
       <p:ext uri="{BB962C8B-B14F-4D97-AF65-F5344CB8AC3E}">
@@ -5332,60 +5332,12 @@
           </a:p>
         </p:txBody>
       </p:sp>
-      <p:sp>
-        <p:nvSpPr>
-          <p:cNvPr id="9" name="TextBox 8">
-            <a:extLst>
-              <a:ext uri="{FF2B5EF4-FFF2-40B4-BE49-F238E27FC236}">
-                <a16:creationId xmlns:a16="http://schemas.microsoft.com/office/drawing/2014/main" id="{7CA51663-A771-D806-0FA0-B9A9DB2BA4D3}"/>
-              </a:ext>
-            </a:extLst>
-          </p:cNvPr>
-          <p:cNvSpPr txBox="1"/>
-          <p:nvPr/>
-        </p:nvSpPr>
-        <p:spPr>
-          <a:xfrm>
-            <a:off x="117695" y="796705"/>
-            <a:ext cx="4454305" cy="307777"/>
-          </a:xfrm>
-          <a:prstGeom prst="rect">
-            <a:avLst/>
-          </a:prstGeom>
-          <a:noFill/>
-        </p:spPr>
-        <p:txBody>
-          <a:bodyPr wrap="square" rtlCol="0">
-            <a:spAutoFit/>
-          </a:bodyPr>
-          <a:lstStyle/>
-          <a:p>
-            <a:r>
-              <a:rPr lang="en-US" altLang="ko-KR" dirty="0"/>
-              <a:t>&lt;</a:t>
-            </a:r>
-            <a:r>
-              <a:rPr lang="en-US" altLang="ko-KR" dirty="0" err="1"/>
-              <a:t>BackEnd</a:t>
-            </a:r>
-            <a:r>
-              <a:rPr lang="en-US" altLang="ko-KR" dirty="0"/>
-              <a:t>&gt; Sequence Diagram/ </a:t>
-            </a:r>
-            <a:r>
-              <a:rPr lang="ko-KR" altLang="en-US" dirty="0"/>
-              <a:t>옷 수정</a:t>
-            </a:r>
-            <a:endParaRPr lang="en-US" altLang="ko-KR" dirty="0"/>
-          </a:p>
-        </p:txBody>
-      </p:sp>
       <p:pic>
         <p:nvPicPr>
-          <p:cNvPr id="5" name="그림 4">
+          <p:cNvPr id="6" name="그림 5">
             <a:extLst>
               <a:ext uri="{FF2B5EF4-FFF2-40B4-BE49-F238E27FC236}">
-                <a16:creationId xmlns:a16="http://schemas.microsoft.com/office/drawing/2014/main" id="{2CE745DB-B286-B252-E094-01208A9DCD5C}"/>
+                <a16:creationId xmlns:a16="http://schemas.microsoft.com/office/drawing/2014/main" id="{34EFAA9E-CE6B-1936-8902-F45A03EA4CF4}"/>
               </a:ext>
             </a:extLst>
           </p:cNvPr>
@@ -5408,14 +5360,62 @@
         </p:blipFill>
         <p:spPr>
           <a:xfrm>
-            <a:off x="117696" y="1123058"/>
-            <a:ext cx="8845236" cy="5214574"/>
+            <a:off x="117694" y="993352"/>
+            <a:ext cx="8908611" cy="5344280"/>
           </a:xfrm>
           <a:prstGeom prst="rect">
             <a:avLst/>
           </a:prstGeom>
         </p:spPr>
       </p:pic>
+      <p:sp>
+        <p:nvSpPr>
+          <p:cNvPr id="9" name="TextBox 8">
+            <a:extLst>
+              <a:ext uri="{FF2B5EF4-FFF2-40B4-BE49-F238E27FC236}">
+                <a16:creationId xmlns:a16="http://schemas.microsoft.com/office/drawing/2014/main" id="{7CA51663-A771-D806-0FA0-B9A9DB2BA4D3}"/>
+              </a:ext>
+            </a:extLst>
+          </p:cNvPr>
+          <p:cNvSpPr txBox="1"/>
+          <p:nvPr/>
+        </p:nvSpPr>
+        <p:spPr>
+          <a:xfrm>
+            <a:off x="117695" y="796705"/>
+            <a:ext cx="4454305" cy="307777"/>
+          </a:xfrm>
+          <a:prstGeom prst="rect">
+            <a:avLst/>
+          </a:prstGeom>
+          <a:noFill/>
+        </p:spPr>
+        <p:txBody>
+          <a:bodyPr wrap="square" rtlCol="0">
+            <a:spAutoFit/>
+          </a:bodyPr>
+          <a:lstStyle/>
+          <a:p>
+            <a:r>
+              <a:rPr lang="en-US" altLang="ko-KR" dirty="0"/>
+              <a:t>&lt;</a:t>
+            </a:r>
+            <a:r>
+              <a:rPr lang="en-US" altLang="ko-KR" dirty="0" err="1"/>
+              <a:t>BackEnd</a:t>
+            </a:r>
+            <a:r>
+              <a:rPr lang="en-US" altLang="ko-KR" dirty="0"/>
+              <a:t>&gt; Sequence Diagram/ </a:t>
+            </a:r>
+            <a:r>
+              <a:rPr lang="ko-KR" altLang="en-US" dirty="0"/>
+              <a:t>옷 수정</a:t>
+            </a:r>
+            <a:endParaRPr lang="en-US" altLang="ko-KR" dirty="0"/>
+          </a:p>
+        </p:txBody>
+      </p:sp>
     </p:spTree>
     <p:extLst>
       <p:ext uri="{BB962C8B-B14F-4D97-AF65-F5344CB8AC3E}">
@@ -6639,10 +6639,10 @@
       </p:sp>
       <p:pic>
         <p:nvPicPr>
-          <p:cNvPr id="5" name="그림 4">
+          <p:cNvPr id="6" name="그림 5">
             <a:extLst>
               <a:ext uri="{FF2B5EF4-FFF2-40B4-BE49-F238E27FC236}">
-                <a16:creationId xmlns:a16="http://schemas.microsoft.com/office/drawing/2014/main" id="{A9AB5DA1-3073-7316-3335-6B202814C32E}"/>
+                <a16:creationId xmlns:a16="http://schemas.microsoft.com/office/drawing/2014/main" id="{C0A38969-CBA9-77C8-6BCA-E0101363AD88}"/>
               </a:ext>
             </a:extLst>
           </p:cNvPr>
@@ -6665,8 +6665,8 @@
         </p:blipFill>
         <p:spPr>
           <a:xfrm>
-            <a:off x="194649" y="823886"/>
-            <a:ext cx="8750175" cy="5513746"/>
+            <a:off x="117695" y="1032095"/>
+            <a:ext cx="8908610" cy="5305537"/>
           </a:xfrm>
           <a:prstGeom prst="rect">
             <a:avLst/>
@@ -7027,10 +7027,10 @@
       </p:sp>
       <p:pic>
         <p:nvPicPr>
-          <p:cNvPr id="5" name="그림 4">
+          <p:cNvPr id="6" name="그림 5">
             <a:extLst>
               <a:ext uri="{FF2B5EF4-FFF2-40B4-BE49-F238E27FC236}">
-                <a16:creationId xmlns:a16="http://schemas.microsoft.com/office/drawing/2014/main" id="{0E6B25D6-EF2D-F4A2-46BF-3C30B235E7F6}"/>
+                <a16:creationId xmlns:a16="http://schemas.microsoft.com/office/drawing/2014/main" id="{7F180145-2291-6060-87EA-91FF0C3A6592}"/>
               </a:ext>
             </a:extLst>
           </p:cNvPr>
@@ -7053,8 +7053,8 @@
         </p:blipFill>
         <p:spPr>
           <a:xfrm>
-            <a:off x="117695" y="823887"/>
-            <a:ext cx="8673220" cy="5414056"/>
+            <a:off x="117694" y="950554"/>
+            <a:ext cx="8809023" cy="5332676"/>
           </a:xfrm>
           <a:prstGeom prst="rect">
             <a:avLst/>
@@ -7413,12 +7413,60 @@
           </a:p>
         </p:txBody>
       </p:sp>
+      <p:sp>
+        <p:nvSpPr>
+          <p:cNvPr id="9" name="TextBox 8">
+            <a:extLst>
+              <a:ext uri="{FF2B5EF4-FFF2-40B4-BE49-F238E27FC236}">
+                <a16:creationId xmlns:a16="http://schemas.microsoft.com/office/drawing/2014/main" id="{B49724A2-B3CB-CFBD-8233-D7111DE9542A}"/>
+              </a:ext>
+            </a:extLst>
+          </p:cNvPr>
+          <p:cNvSpPr txBox="1"/>
+          <p:nvPr/>
+        </p:nvSpPr>
+        <p:spPr>
+          <a:xfrm>
+            <a:off x="117695" y="796705"/>
+            <a:ext cx="4454305" cy="307777"/>
+          </a:xfrm>
+          <a:prstGeom prst="rect">
+            <a:avLst/>
+          </a:prstGeom>
+          <a:noFill/>
+        </p:spPr>
+        <p:txBody>
+          <a:bodyPr wrap="square" rtlCol="0">
+            <a:spAutoFit/>
+          </a:bodyPr>
+          <a:lstStyle/>
+          <a:p>
+            <a:r>
+              <a:rPr lang="en-US" altLang="ko-KR" dirty="0"/>
+              <a:t>&lt;</a:t>
+            </a:r>
+            <a:r>
+              <a:rPr lang="en-US" altLang="ko-KR" dirty="0" err="1"/>
+              <a:t>BackEnd</a:t>
+            </a:r>
+            <a:r>
+              <a:rPr lang="en-US" altLang="ko-KR" dirty="0"/>
+              <a:t>&gt; Class Diagram/ </a:t>
+            </a:r>
+            <a:r>
+              <a:rPr lang="ko-KR" altLang="en-US" dirty="0"/>
+              <a:t>예외처리 부분</a:t>
+            </a:r>
+            <a:endParaRPr lang="en-US" altLang="ko-KR" dirty="0"/>
+          </a:p>
+        </p:txBody>
+      </p:sp>
       <p:pic>
         <p:nvPicPr>
-          <p:cNvPr id="5" name="그림 4">
+          <p:cNvPr id="6" name="그림 5">
             <a:extLst>
               <a:ext uri="{FF2B5EF4-FFF2-40B4-BE49-F238E27FC236}">
-                <a16:creationId xmlns:a16="http://schemas.microsoft.com/office/drawing/2014/main" id="{29387311-0D4F-BDAA-8E05-5E28EC198E90}"/>
+                <a16:creationId xmlns:a16="http://schemas.microsoft.com/office/drawing/2014/main" id="{47F7268E-9FA0-8CE1-3317-438D65C6E946}"/>
               </a:ext>
             </a:extLst>
           </p:cNvPr>
@@ -7441,62 +7489,14 @@
         </p:blipFill>
         <p:spPr>
           <a:xfrm>
-            <a:off x="117696" y="1522612"/>
-            <a:ext cx="8836182" cy="3972841"/>
+            <a:off x="117694" y="1475674"/>
+            <a:ext cx="8917663" cy="4418132"/>
           </a:xfrm>
           <a:prstGeom prst="rect">
             <a:avLst/>
           </a:prstGeom>
         </p:spPr>
       </p:pic>
-      <p:sp>
-        <p:nvSpPr>
-          <p:cNvPr id="9" name="TextBox 8">
-            <a:extLst>
-              <a:ext uri="{FF2B5EF4-FFF2-40B4-BE49-F238E27FC236}">
-                <a16:creationId xmlns:a16="http://schemas.microsoft.com/office/drawing/2014/main" id="{B49724A2-B3CB-CFBD-8233-D7111DE9542A}"/>
-              </a:ext>
-            </a:extLst>
-          </p:cNvPr>
-          <p:cNvSpPr txBox="1"/>
-          <p:nvPr/>
-        </p:nvSpPr>
-        <p:spPr>
-          <a:xfrm>
-            <a:off x="117695" y="796705"/>
-            <a:ext cx="4454305" cy="307777"/>
-          </a:xfrm>
-          <a:prstGeom prst="rect">
-            <a:avLst/>
-          </a:prstGeom>
-          <a:noFill/>
-        </p:spPr>
-        <p:txBody>
-          <a:bodyPr wrap="square" rtlCol="0">
-            <a:spAutoFit/>
-          </a:bodyPr>
-          <a:lstStyle/>
-          <a:p>
-            <a:r>
-              <a:rPr lang="en-US" altLang="ko-KR" dirty="0"/>
-              <a:t>&lt;</a:t>
-            </a:r>
-            <a:r>
-              <a:rPr lang="en-US" altLang="ko-KR" dirty="0" err="1"/>
-              <a:t>BackEnd</a:t>
-            </a:r>
-            <a:r>
-              <a:rPr lang="en-US" altLang="ko-KR" dirty="0"/>
-              <a:t>&gt; Class Diagram/ </a:t>
-            </a:r>
-            <a:r>
-              <a:rPr lang="ko-KR" altLang="en-US" dirty="0"/>
-              <a:t>예외처리 부분</a:t>
-            </a:r>
-            <a:endParaRPr lang="en-US" altLang="ko-KR" dirty="0"/>
-          </a:p>
-        </p:txBody>
-      </p:sp>
     </p:spTree>
     <p:extLst>
       <p:ext uri="{BB962C8B-B14F-4D97-AF65-F5344CB8AC3E}">
@@ -7801,12 +7801,60 @@
           </a:p>
         </p:txBody>
       </p:sp>
+      <p:sp>
+        <p:nvSpPr>
+          <p:cNvPr id="12" name="TextBox 11">
+            <a:extLst>
+              <a:ext uri="{FF2B5EF4-FFF2-40B4-BE49-F238E27FC236}">
+                <a16:creationId xmlns:a16="http://schemas.microsoft.com/office/drawing/2014/main" id="{F9100698-39CD-F62D-0D3C-AFC270BA530C}"/>
+              </a:ext>
+            </a:extLst>
+          </p:cNvPr>
+          <p:cNvSpPr txBox="1"/>
+          <p:nvPr/>
+        </p:nvSpPr>
+        <p:spPr>
+          <a:xfrm>
+            <a:off x="117695" y="796705"/>
+            <a:ext cx="4454305" cy="307777"/>
+          </a:xfrm>
+          <a:prstGeom prst="rect">
+            <a:avLst/>
+          </a:prstGeom>
+          <a:noFill/>
+        </p:spPr>
+        <p:txBody>
+          <a:bodyPr wrap="square" rtlCol="0">
+            <a:spAutoFit/>
+          </a:bodyPr>
+          <a:lstStyle/>
+          <a:p>
+            <a:r>
+              <a:rPr lang="en-US" altLang="ko-KR" dirty="0"/>
+              <a:t>&lt;</a:t>
+            </a:r>
+            <a:r>
+              <a:rPr lang="en-US" altLang="ko-KR" dirty="0" err="1"/>
+              <a:t>BackEnd</a:t>
+            </a:r>
+            <a:r>
+              <a:rPr lang="en-US" altLang="ko-KR" dirty="0"/>
+              <a:t>&gt; Class Diagram/ </a:t>
+            </a:r>
+            <a:r>
+              <a:rPr lang="ko-KR" altLang="en-US" dirty="0"/>
+              <a:t>전체</a:t>
+            </a:r>
+            <a:endParaRPr lang="en-US" altLang="ko-KR" dirty="0"/>
+          </a:p>
+        </p:txBody>
+      </p:sp>
       <p:pic>
         <p:nvPicPr>
-          <p:cNvPr id="14" name="그림 13">
+          <p:cNvPr id="5" name="그림 4">
             <a:extLst>
               <a:ext uri="{FF2B5EF4-FFF2-40B4-BE49-F238E27FC236}">
-                <a16:creationId xmlns:a16="http://schemas.microsoft.com/office/drawing/2014/main" id="{12EB97B8-95DF-6E2B-6579-9790D903D23A}"/>
+                <a16:creationId xmlns:a16="http://schemas.microsoft.com/office/drawing/2014/main" id="{97DFF45E-3E69-D046-18FD-628FF96C60E2}"/>
               </a:ext>
             </a:extLst>
           </p:cNvPr>
@@ -7829,62 +7877,14 @@
         </p:blipFill>
         <p:spPr>
           <a:xfrm>
-            <a:off x="117695" y="823886"/>
-            <a:ext cx="8836182" cy="5513747"/>
+            <a:off x="117694" y="1104482"/>
+            <a:ext cx="8908611" cy="5115395"/>
           </a:xfrm>
           <a:prstGeom prst="rect">
             <a:avLst/>
           </a:prstGeom>
         </p:spPr>
       </p:pic>
-      <p:sp>
-        <p:nvSpPr>
-          <p:cNvPr id="12" name="TextBox 11">
-            <a:extLst>
-              <a:ext uri="{FF2B5EF4-FFF2-40B4-BE49-F238E27FC236}">
-                <a16:creationId xmlns:a16="http://schemas.microsoft.com/office/drawing/2014/main" id="{F9100698-39CD-F62D-0D3C-AFC270BA530C}"/>
-              </a:ext>
-            </a:extLst>
-          </p:cNvPr>
-          <p:cNvSpPr txBox="1"/>
-          <p:nvPr/>
-        </p:nvSpPr>
-        <p:spPr>
-          <a:xfrm>
-            <a:off x="117695" y="796705"/>
-            <a:ext cx="4454305" cy="307777"/>
-          </a:xfrm>
-          <a:prstGeom prst="rect">
-            <a:avLst/>
-          </a:prstGeom>
-          <a:noFill/>
-        </p:spPr>
-        <p:txBody>
-          <a:bodyPr wrap="square" rtlCol="0">
-            <a:spAutoFit/>
-          </a:bodyPr>
-          <a:lstStyle/>
-          <a:p>
-            <a:r>
-              <a:rPr lang="en-US" altLang="ko-KR" dirty="0"/>
-              <a:t>&lt;</a:t>
-            </a:r>
-            <a:r>
-              <a:rPr lang="en-US" altLang="ko-KR" dirty="0" err="1"/>
-              <a:t>BackEnd</a:t>
-            </a:r>
-            <a:r>
-              <a:rPr lang="en-US" altLang="ko-KR" dirty="0"/>
-              <a:t>&gt; Class Diagram/ </a:t>
-            </a:r>
-            <a:r>
-              <a:rPr lang="ko-KR" altLang="en-US" dirty="0"/>
-              <a:t>전체</a:t>
-            </a:r>
-            <a:endParaRPr lang="en-US" altLang="ko-KR" dirty="0"/>
-          </a:p>
-        </p:txBody>
-      </p:sp>
     </p:spTree>
     <p:extLst>
       <p:ext uri="{BB962C8B-B14F-4D97-AF65-F5344CB8AC3E}">
@@ -8191,10 +8191,10 @@
       </p:sp>
       <p:pic>
         <p:nvPicPr>
-          <p:cNvPr id="6" name="그림 5">
+          <p:cNvPr id="5" name="그림 4">
             <a:extLst>
               <a:ext uri="{FF2B5EF4-FFF2-40B4-BE49-F238E27FC236}">
-                <a16:creationId xmlns:a16="http://schemas.microsoft.com/office/drawing/2014/main" id="{FAE9293F-3403-B0B6-70C2-5AC09FB155D3}"/>
+                <a16:creationId xmlns:a16="http://schemas.microsoft.com/office/drawing/2014/main" id="{C234F0EC-C3E0-B104-153A-10240FF0CFCB}"/>
               </a:ext>
             </a:extLst>
           </p:cNvPr>
@@ -8217,8 +8217,8 @@
         </p:blipFill>
         <p:spPr>
           <a:xfrm>
-            <a:off x="117695" y="950554"/>
-            <a:ext cx="8845236" cy="5269323"/>
+            <a:off x="117695" y="986828"/>
+            <a:ext cx="8908610" cy="5323623"/>
           </a:xfrm>
           <a:prstGeom prst="rect">
             <a:avLst/>
@@ -8577,60 +8577,12 @@
           </a:p>
         </p:txBody>
       </p:sp>
-      <p:sp>
-        <p:nvSpPr>
-          <p:cNvPr id="9" name="TextBox 8">
-            <a:extLst>
-              <a:ext uri="{FF2B5EF4-FFF2-40B4-BE49-F238E27FC236}">
-                <a16:creationId xmlns:a16="http://schemas.microsoft.com/office/drawing/2014/main" id="{7CA51663-A771-D806-0FA0-B9A9DB2BA4D3}"/>
-              </a:ext>
-            </a:extLst>
-          </p:cNvPr>
-          <p:cNvSpPr txBox="1"/>
-          <p:nvPr/>
-        </p:nvSpPr>
-        <p:spPr>
-          <a:xfrm>
-            <a:off x="117695" y="796705"/>
-            <a:ext cx="4454305" cy="307777"/>
-          </a:xfrm>
-          <a:prstGeom prst="rect">
-            <a:avLst/>
-          </a:prstGeom>
-          <a:noFill/>
-        </p:spPr>
-        <p:txBody>
-          <a:bodyPr wrap="square" rtlCol="0">
-            <a:spAutoFit/>
-          </a:bodyPr>
-          <a:lstStyle/>
-          <a:p>
-            <a:r>
-              <a:rPr lang="en-US" altLang="ko-KR" dirty="0"/>
-              <a:t>&lt;</a:t>
-            </a:r>
-            <a:r>
-              <a:rPr lang="en-US" altLang="ko-KR" dirty="0" err="1"/>
-              <a:t>BackEnd</a:t>
-            </a:r>
-            <a:r>
-              <a:rPr lang="en-US" altLang="ko-KR" dirty="0"/>
-              <a:t>&gt; Sequence Diagram/ </a:t>
-            </a:r>
-            <a:r>
-              <a:rPr lang="ko-KR" altLang="en-US" dirty="0"/>
-              <a:t>로그인</a:t>
-            </a:r>
-            <a:endParaRPr lang="en-US" altLang="ko-KR" dirty="0"/>
-          </a:p>
-        </p:txBody>
-      </p:sp>
       <p:pic>
         <p:nvPicPr>
-          <p:cNvPr id="5" name="그림 4">
+          <p:cNvPr id="6" name="그림 5">
             <a:extLst>
               <a:ext uri="{FF2B5EF4-FFF2-40B4-BE49-F238E27FC236}">
-                <a16:creationId xmlns:a16="http://schemas.microsoft.com/office/drawing/2014/main" id="{0CF1FC64-DBA9-872D-8AD2-FE381C138EEE}"/>
+                <a16:creationId xmlns:a16="http://schemas.microsoft.com/office/drawing/2014/main" id="{B8D9984A-517E-4E6A-7158-BEDB87EDF0BF}"/>
               </a:ext>
             </a:extLst>
           </p:cNvPr>
@@ -8653,14 +8605,62 @@
         </p:blipFill>
         <p:spPr>
           <a:xfrm>
-            <a:off x="117695" y="1167897"/>
-            <a:ext cx="8627953" cy="5051980"/>
+            <a:off x="117695" y="950554"/>
+            <a:ext cx="8863344" cy="5359897"/>
           </a:xfrm>
           <a:prstGeom prst="rect">
             <a:avLst/>
           </a:prstGeom>
         </p:spPr>
       </p:pic>
+      <p:sp>
+        <p:nvSpPr>
+          <p:cNvPr id="9" name="TextBox 8">
+            <a:extLst>
+              <a:ext uri="{FF2B5EF4-FFF2-40B4-BE49-F238E27FC236}">
+                <a16:creationId xmlns:a16="http://schemas.microsoft.com/office/drawing/2014/main" id="{7CA51663-A771-D806-0FA0-B9A9DB2BA4D3}"/>
+              </a:ext>
+            </a:extLst>
+          </p:cNvPr>
+          <p:cNvSpPr txBox="1"/>
+          <p:nvPr/>
+        </p:nvSpPr>
+        <p:spPr>
+          <a:xfrm>
+            <a:off x="117695" y="796705"/>
+            <a:ext cx="4454305" cy="307777"/>
+          </a:xfrm>
+          <a:prstGeom prst="rect">
+            <a:avLst/>
+          </a:prstGeom>
+          <a:noFill/>
+        </p:spPr>
+        <p:txBody>
+          <a:bodyPr wrap="square" rtlCol="0">
+            <a:spAutoFit/>
+          </a:bodyPr>
+          <a:lstStyle/>
+          <a:p>
+            <a:r>
+              <a:rPr lang="en-US" altLang="ko-KR" dirty="0"/>
+              <a:t>&lt;</a:t>
+            </a:r>
+            <a:r>
+              <a:rPr lang="en-US" altLang="ko-KR" dirty="0" err="1"/>
+              <a:t>BackEnd</a:t>
+            </a:r>
+            <a:r>
+              <a:rPr lang="en-US" altLang="ko-KR" dirty="0"/>
+              <a:t>&gt; Sequence Diagram/ </a:t>
+            </a:r>
+            <a:r>
+              <a:rPr lang="ko-KR" altLang="en-US" dirty="0"/>
+              <a:t>로그인</a:t>
+            </a:r>
+            <a:endParaRPr lang="en-US" altLang="ko-KR" dirty="0"/>
+          </a:p>
+        </p:txBody>
+      </p:sp>
     </p:spTree>
     <p:extLst>
       <p:ext uri="{BB962C8B-B14F-4D97-AF65-F5344CB8AC3E}">
@@ -8965,60 +8965,12 @@
           </a:p>
         </p:txBody>
       </p:sp>
-      <p:sp>
-        <p:nvSpPr>
-          <p:cNvPr id="9" name="TextBox 8">
-            <a:extLst>
-              <a:ext uri="{FF2B5EF4-FFF2-40B4-BE49-F238E27FC236}">
-                <a16:creationId xmlns:a16="http://schemas.microsoft.com/office/drawing/2014/main" id="{7CA51663-A771-D806-0FA0-B9A9DB2BA4D3}"/>
-              </a:ext>
-            </a:extLst>
-          </p:cNvPr>
-          <p:cNvSpPr txBox="1"/>
-          <p:nvPr/>
-        </p:nvSpPr>
-        <p:spPr>
-          <a:xfrm>
-            <a:off x="117695" y="796705"/>
-            <a:ext cx="4454305" cy="307777"/>
-          </a:xfrm>
-          <a:prstGeom prst="rect">
-            <a:avLst/>
-          </a:prstGeom>
-          <a:noFill/>
-        </p:spPr>
-        <p:txBody>
-          <a:bodyPr wrap="square" rtlCol="0">
-            <a:spAutoFit/>
-          </a:bodyPr>
-          <a:lstStyle/>
-          <a:p>
-            <a:r>
-              <a:rPr lang="en-US" altLang="ko-KR" dirty="0"/>
-              <a:t>&lt;</a:t>
-            </a:r>
-            <a:r>
-              <a:rPr lang="en-US" altLang="ko-KR" dirty="0" err="1"/>
-              <a:t>BackEnd</a:t>
-            </a:r>
-            <a:r>
-              <a:rPr lang="en-US" altLang="ko-KR" dirty="0"/>
-              <a:t>&gt; Sequence Diagram/ </a:t>
-            </a:r>
-            <a:r>
-              <a:rPr lang="ko-KR" altLang="en-US" dirty="0"/>
-              <a:t>회원정보 조회</a:t>
-            </a:r>
-            <a:endParaRPr lang="en-US" altLang="ko-KR" dirty="0"/>
-          </a:p>
-        </p:txBody>
-      </p:sp>
       <p:pic>
         <p:nvPicPr>
-          <p:cNvPr id="5" name="그림 4">
+          <p:cNvPr id="6" name="그림 5">
             <a:extLst>
               <a:ext uri="{FF2B5EF4-FFF2-40B4-BE49-F238E27FC236}">
-                <a16:creationId xmlns:a16="http://schemas.microsoft.com/office/drawing/2014/main" id="{0C53AFCD-622C-DA32-7BA7-6B838AB29C39}"/>
+                <a16:creationId xmlns:a16="http://schemas.microsoft.com/office/drawing/2014/main" id="{FF99F23E-EAA1-5FF4-19AA-51EB1ED4AE55}"/>
               </a:ext>
             </a:extLst>
           </p:cNvPr>
@@ -9041,14 +8993,62 @@
         </p:blipFill>
         <p:spPr>
           <a:xfrm>
-            <a:off x="117695" y="1104482"/>
-            <a:ext cx="8860508" cy="5178749"/>
+            <a:off x="235390" y="950554"/>
+            <a:ext cx="8790915" cy="5359897"/>
           </a:xfrm>
           <a:prstGeom prst="rect">
             <a:avLst/>
           </a:prstGeom>
         </p:spPr>
       </p:pic>
+      <p:sp>
+        <p:nvSpPr>
+          <p:cNvPr id="9" name="TextBox 8">
+            <a:extLst>
+              <a:ext uri="{FF2B5EF4-FFF2-40B4-BE49-F238E27FC236}">
+                <a16:creationId xmlns:a16="http://schemas.microsoft.com/office/drawing/2014/main" id="{7CA51663-A771-D806-0FA0-B9A9DB2BA4D3}"/>
+              </a:ext>
+            </a:extLst>
+          </p:cNvPr>
+          <p:cNvSpPr txBox="1"/>
+          <p:nvPr/>
+        </p:nvSpPr>
+        <p:spPr>
+          <a:xfrm>
+            <a:off x="117695" y="796705"/>
+            <a:ext cx="4454305" cy="307777"/>
+          </a:xfrm>
+          <a:prstGeom prst="rect">
+            <a:avLst/>
+          </a:prstGeom>
+          <a:noFill/>
+        </p:spPr>
+        <p:txBody>
+          <a:bodyPr wrap="square" rtlCol="0">
+            <a:spAutoFit/>
+          </a:bodyPr>
+          <a:lstStyle/>
+          <a:p>
+            <a:r>
+              <a:rPr lang="en-US" altLang="ko-KR" dirty="0"/>
+              <a:t>&lt;</a:t>
+            </a:r>
+            <a:r>
+              <a:rPr lang="en-US" altLang="ko-KR" dirty="0" err="1"/>
+              <a:t>BackEnd</a:t>
+            </a:r>
+            <a:r>
+              <a:rPr lang="en-US" altLang="ko-KR" dirty="0"/>
+              <a:t>&gt; Sequence Diagram/ </a:t>
+            </a:r>
+            <a:r>
+              <a:rPr lang="ko-KR" altLang="en-US" dirty="0"/>
+              <a:t>회원정보 조회</a:t>
+            </a:r>
+            <a:endParaRPr lang="en-US" altLang="ko-KR" dirty="0"/>
+          </a:p>
+        </p:txBody>
+      </p:sp>
     </p:spTree>
     <p:extLst>
       <p:ext uri="{BB962C8B-B14F-4D97-AF65-F5344CB8AC3E}">
